--- a/Documentation/ועדת מעבר שניה - מצגת.pptx
+++ b/Documentation/ועדת מעבר שניה - מצגת.pptx
@@ -122,7 +122,7 @@
   </p:defaultTextStyle>
   <p:extLst>
     <p:ext uri="{EFAFB233-063F-42B5-8137-9DF3F51BA10A}">
-      <p15:sldGuideLst xmlns:p15="http://schemas.microsoft.com/office/powerpoint/2012/main" xmlns="">
+      <p15:sldGuideLst xmlns="" xmlns:p15="http://schemas.microsoft.com/office/powerpoint/2012/main">
         <p15:guide id="1" orient="horz" pos="2160">
           <p15:clr>
             <a:srgbClr val="A4A3A4"/>
@@ -144,7 +144,7 @@
   <p:cmAuthor id="1" name="Yehuda" initials="Y" lastIdx="0" clrIdx="0">
     <p:extLst>
       <p:ext uri="{19B8F6BF-5375-455C-9EA6-DF929625EA0E}">
-        <p15:presenceInfo xmlns:p15="http://schemas.microsoft.com/office/powerpoint/2012/main" xmlns="" userId="Yehuda" providerId="None"/>
+        <p15:presenceInfo xmlns="" xmlns:p15="http://schemas.microsoft.com/office/powerpoint/2012/main" userId="Yehuda" providerId="None"/>
       </p:ext>
     </p:extLst>
   </p:cmAuthor>
@@ -405,7 +405,7 @@
     </p:spTree>
     <p:extLst>
       <p:ext uri="{BB962C8B-B14F-4D97-AF65-F5344CB8AC3E}">
-        <p14:creationId xmlns:p14="http://schemas.microsoft.com/office/powerpoint/2010/main" xmlns="" val="959749123"/>
+        <p14:creationId xmlns="" xmlns:p14="http://schemas.microsoft.com/office/powerpoint/2010/main" val="959749123"/>
       </p:ext>
     </p:extLst>
   </p:cSld>
@@ -3522,11 +3522,7 @@
           <a:p>
             <a:r>
               <a:rPr lang="he-IL" sz="5400" dirty="0" smtClean="0"/>
-              <a:t>וועדת מעבר </a:t>
-            </a:r>
-            <a:r>
-              <a:rPr lang="he-IL" sz="5400" dirty="0" smtClean="0"/>
-              <a:t>שנייה</a:t>
+              <a:t>וועדת מעבר שנייה</a:t>
             </a:r>
             <a:br>
               <a:rPr lang="he-IL" sz="5400" dirty="0" smtClean="0"/>
@@ -3549,7 +3545,7 @@
     </p:spTree>
     <p:extLst>
       <p:ext uri="{BB962C8B-B14F-4D97-AF65-F5344CB8AC3E}">
-        <p14:creationId xmlns:p14="http://schemas.microsoft.com/office/powerpoint/2010/main" xmlns="" val="805580924"/>
+        <p14:creationId xmlns="" xmlns:p14="http://schemas.microsoft.com/office/powerpoint/2010/main" val="805580924"/>
       </p:ext>
     </p:extLst>
   </p:cSld>
@@ -3858,7 +3854,7 @@
     </p:spTree>
     <p:extLst>
       <p:ext uri="{BB962C8B-B14F-4D97-AF65-F5344CB8AC3E}">
-        <p14:creationId xmlns:p14="http://schemas.microsoft.com/office/powerpoint/2010/main" xmlns="" val="864639353"/>
+        <p14:creationId xmlns="" xmlns:p14="http://schemas.microsoft.com/office/powerpoint/2010/main" val="864639353"/>
       </p:ext>
     </p:extLst>
   </p:cSld>
@@ -4086,7 +4082,7 @@
     </p:spTree>
     <p:extLst>
       <p:ext uri="{BB962C8B-B14F-4D97-AF65-F5344CB8AC3E}">
-        <p14:creationId xmlns:p14="http://schemas.microsoft.com/office/powerpoint/2010/main" xmlns="" val="864639353"/>
+        <p14:creationId xmlns="" xmlns:p14="http://schemas.microsoft.com/office/powerpoint/2010/main" val="864639353"/>
       </p:ext>
     </p:extLst>
   </p:cSld>
@@ -4306,11 +4302,7 @@
             </a:pPr>
             <a:r>
               <a:rPr lang="he-IL" dirty="0" smtClean="0"/>
-              <a:t> </a:t>
-            </a:r>
-            <a:r>
-              <a:rPr lang="he-IL" dirty="0" smtClean="0"/>
-              <a:t>אחר</a:t>
+              <a:t> אחר</a:t>
             </a:r>
             <a:endParaRPr lang="en-US" dirty="0" smtClean="0"/>
           </a:p>
@@ -4331,7 +4323,7 @@
         </p:nvCxnSpPr>
         <p:spPr>
           <a:xfrm>
-            <a:off x="7452320" y="5373216"/>
+            <a:off x="7452320" y="5517232"/>
             <a:ext cx="216024" cy="216024"/>
           </a:xfrm>
           <a:prstGeom prst="line">
@@ -4361,7 +4353,7 @@
         </p:nvCxnSpPr>
         <p:spPr>
           <a:xfrm flipH="1">
-            <a:off x="7452320" y="5373216"/>
+            <a:off x="7452320" y="5517232"/>
             <a:ext cx="152400" cy="207640"/>
           </a:xfrm>
           <a:prstGeom prst="line">
@@ -4391,7 +4383,7 @@
         </p:nvCxnSpPr>
         <p:spPr>
           <a:xfrm flipH="1">
-            <a:off x="7452320" y="4941168"/>
+            <a:off x="7452320" y="5085184"/>
             <a:ext cx="152400" cy="207640"/>
           </a:xfrm>
           <a:prstGeom prst="line">
@@ -4421,7 +4413,7 @@
         </p:nvCxnSpPr>
         <p:spPr>
           <a:xfrm>
-            <a:off x="7452320" y="4941168"/>
+            <a:off x="7452320" y="5085184"/>
             <a:ext cx="216024" cy="216024"/>
           </a:xfrm>
           <a:prstGeom prst="line">
@@ -4446,7 +4438,7 @@
     </p:spTree>
     <p:extLst>
       <p:ext uri="{BB962C8B-B14F-4D97-AF65-F5344CB8AC3E}">
-        <p14:creationId xmlns:p14="http://schemas.microsoft.com/office/powerpoint/2010/main" xmlns="" val="1941984800"/>
+        <p14:creationId xmlns="" xmlns:p14="http://schemas.microsoft.com/office/powerpoint/2010/main" val="1941984800"/>
       </p:ext>
     </p:extLst>
   </p:cSld>
@@ -4529,11 +4521,7 @@
           <a:p>
             <a:r>
               <a:rPr lang="he-IL" dirty="0" smtClean="0"/>
-              <a:t>פוטנציאלי </a:t>
-            </a:r>
-            <a:r>
-              <a:rPr lang="he-IL" dirty="0" smtClean="0"/>
-              <a:t>עסקי</a:t>
+              <a:t>פוטנציאלי עסקי</a:t>
             </a:r>
             <a:endParaRPr lang="he-IL" dirty="0"/>
           </a:p>
@@ -4562,11 +4550,7 @@
             </a:pPr>
             <a:r>
               <a:rPr lang="he-IL" dirty="0" smtClean="0"/>
-              <a:t>האפליקציה תשמש את כל מי שרוצה לקרוא כתבות באופן מותאם לו</a:t>
-            </a:r>
-            <a:r>
-              <a:rPr lang="he-IL" dirty="0" smtClean="0"/>
-              <a:t>.</a:t>
+              <a:t>האפליקציה תשמש את כל מי שרוצה לקרוא כתבות באופן מותאם לו.</a:t>
             </a:r>
             <a:endParaRPr lang="en-US" dirty="0" smtClean="0"/>
           </a:p>
@@ -4598,7 +4582,7 @@
     </p:spTree>
     <p:extLst>
       <p:ext uri="{BB962C8B-B14F-4D97-AF65-F5344CB8AC3E}">
-        <p14:creationId xmlns:p14="http://schemas.microsoft.com/office/powerpoint/2010/main" xmlns="" val="525589147"/>
+        <p14:creationId xmlns="" xmlns:p14="http://schemas.microsoft.com/office/powerpoint/2010/main" val="525589147"/>
       </p:ext>
     </p:extLst>
   </p:cSld>
@@ -4710,11 +4694,7 @@
             </a:pPr>
             <a:r>
               <a:rPr lang="he-IL" dirty="0" smtClean="0"/>
-              <a:t> </a:t>
-            </a:r>
-            <a:r>
-              <a:rPr lang="he-IL" dirty="0" smtClean="0"/>
-              <a:t>מסך </a:t>
+              <a:t> מסך </a:t>
             </a:r>
           </a:p>
           <a:p>
@@ -4734,7 +4714,7 @@
     </p:spTree>
     <p:extLst>
       <p:ext uri="{BB962C8B-B14F-4D97-AF65-F5344CB8AC3E}">
-        <p14:creationId xmlns:p14="http://schemas.microsoft.com/office/powerpoint/2010/main" xmlns="" val="2819983716"/>
+        <p14:creationId xmlns="" xmlns:p14="http://schemas.microsoft.com/office/powerpoint/2010/main" val="2819983716"/>
       </p:ext>
     </p:extLst>
   </p:cSld>
@@ -4844,11 +4824,7 @@
             </a:pPr>
             <a:r>
               <a:rPr lang="he-IL" dirty="0" smtClean="0"/>
-              <a:t> </a:t>
-            </a:r>
-            <a:r>
-              <a:rPr lang="he-IL" dirty="0" smtClean="0"/>
-              <a:t>חברי הקבוצה :</a:t>
+              <a:t> חברי הקבוצה :</a:t>
             </a:r>
             <a:r>
               <a:rPr lang="en-US" dirty="0" smtClean="0"/>
@@ -4858,7 +4834,6 @@
               <a:rPr lang="he-IL" dirty="0" smtClean="0"/>
               <a:t>ליאור ניסים, דנה כהן, גיא נוה.</a:t>
             </a:r>
-            <a:endParaRPr lang="he-IL" dirty="0" smtClean="0"/>
           </a:p>
           <a:p>
             <a:pPr>
@@ -4867,13 +4842,8 @@
             </a:pPr>
             <a:r>
               <a:rPr lang="he-IL" dirty="0" smtClean="0"/>
-              <a:t> </a:t>
-            </a:r>
-            <a:r>
-              <a:rPr lang="he-IL" dirty="0" smtClean="0"/>
-              <a:t>מנחה : כפיר בר</a:t>
-            </a:r>
-            <a:endParaRPr lang="he-IL" dirty="0" smtClean="0"/>
+              <a:t> מנחה : כפיר בר</a:t>
+            </a:r>
           </a:p>
           <a:p>
             <a:pPr>
@@ -4886,7 +4856,7 @@
     </p:spTree>
     <p:extLst>
       <p:ext uri="{BB962C8B-B14F-4D97-AF65-F5344CB8AC3E}">
-        <p14:creationId xmlns:p14="http://schemas.microsoft.com/office/powerpoint/2010/main" xmlns="" val="1101506394"/>
+        <p14:creationId xmlns="" xmlns:p14="http://schemas.microsoft.com/office/powerpoint/2010/main" val="1101506394"/>
       </p:ext>
     </p:extLst>
   </p:cSld>
@@ -5043,7 +5013,7 @@
     </p:spTree>
     <p:extLst>
       <p:ext uri="{BB962C8B-B14F-4D97-AF65-F5344CB8AC3E}">
-        <p14:creationId xmlns:p14="http://schemas.microsoft.com/office/powerpoint/2010/main" xmlns="" val="371348189"/>
+        <p14:creationId xmlns="" xmlns:p14="http://schemas.microsoft.com/office/powerpoint/2010/main" val="371348189"/>
       </p:ext>
     </p:extLst>
   </p:cSld>
@@ -5155,11 +5125,7 @@
             </a:pPr>
             <a:r>
               <a:rPr lang="he-IL" dirty="0" smtClean="0"/>
-              <a:t> </a:t>
-            </a:r>
-            <a:r>
-              <a:rPr lang="he-IL" dirty="0" smtClean="0"/>
-              <a:t>האפליקציה תשתמש באלגוריתמי למידה חישובית ותתאים כתבות העוסקות בתכנים שונים אל משתמשים שונים. כמו כן האפליקציה תעשה שימוש באלגוריתמים של עיבוד שפה טבעית אשר בעזרתם נבנה מודל סטטיסטי (</a:t>
+              <a:t> האפליקציה תשתמש באלגוריתמי למידה חישובית ותתאים כתבות העוסקות בתכנים שונים אל משתמשים שונים. כמו כן האפליקציה תעשה שימוש באלגוריתמים של עיבוד שפה טבעית אשר בעזרתם נבנה מודל סטטיסטי (</a:t>
             </a:r>
             <a:r>
               <a:rPr lang="en-US" dirty="0" err="1" smtClean="0"/>
@@ -5212,7 +5178,7 @@
     </p:spTree>
     <p:extLst>
       <p:ext uri="{BB962C8B-B14F-4D97-AF65-F5344CB8AC3E}">
-        <p14:creationId xmlns:p14="http://schemas.microsoft.com/office/powerpoint/2010/main" xmlns="" val="4033114717"/>
+        <p14:creationId xmlns="" xmlns:p14="http://schemas.microsoft.com/office/powerpoint/2010/main" val="4033114717"/>
       </p:ext>
     </p:extLst>
   </p:cSld>
@@ -5324,15 +5290,7 @@
             </a:pPr>
             <a:r>
               <a:rPr lang="he-IL" dirty="0" smtClean="0"/>
-              <a:t> </a:t>
-            </a:r>
-            <a:r>
-              <a:rPr lang="he-IL" dirty="0" smtClean="0"/>
-              <a:t>מצ</a:t>
-            </a:r>
-            <a:r>
-              <a:rPr lang="he-IL" dirty="0" smtClean="0"/>
-              <a:t>ב הפרויקט נכון לעכשיו:</a:t>
+              <a:t> מצב הפרויקט נכון לעכשיו:</a:t>
             </a:r>
           </a:p>
           <a:p>
@@ -5348,15 +5306,7 @@
             </a:pPr>
             <a:r>
               <a:rPr lang="he-IL" sz="2600" dirty="0" smtClean="0"/>
-              <a:t> </a:t>
-            </a:r>
-            <a:r>
-              <a:rPr lang="he-IL" sz="2600" dirty="0" smtClean="0"/>
-              <a:t>    </a:t>
-            </a:r>
-            <a:r>
-              <a:rPr lang="he-IL" sz="2600" dirty="0" smtClean="0"/>
-              <a:t>(מסך הרשמה לאפליקציה ,מסך התחברות, מסך ראשי, מסך הצגת כתבות באופן מצומצם,מסך הצגת כתבה באופן מורחב עם אפשרות לעשות </a:t>
+              <a:t>     (מסך הרשמה לאפליקציה ,מסך התחברות, מסך ראשי, מסך הצגת כתבות באופן מצומצם,מסך הצגת כתבה באופן מורחב עם אפשרות לעשות </a:t>
             </a:r>
             <a:r>
               <a:rPr lang="en-US" sz="2600" dirty="0" smtClean="0"/>
@@ -5374,7 +5324,6 @@
               <a:rPr lang="he-IL" dirty="0" smtClean="0"/>
               <a:t>קיים מאגר נתונים במבנה העונה על צרכי האפליקציה</a:t>
             </a:r>
-            <a:endParaRPr lang="he-IL" dirty="0" smtClean="0"/>
           </a:p>
           <a:p>
             <a:pPr lvl="1"/>
@@ -5501,7 +5450,7 @@
     </p:spTree>
     <p:extLst>
       <p:ext uri="{BB962C8B-B14F-4D97-AF65-F5344CB8AC3E}">
-        <p14:creationId xmlns:p14="http://schemas.microsoft.com/office/powerpoint/2010/main" xmlns="" val="864639353"/>
+        <p14:creationId xmlns="" xmlns:p14="http://schemas.microsoft.com/office/powerpoint/2010/main" val="864639353"/>
       </p:ext>
     </p:extLst>
   </p:cSld>
@@ -5618,11 +5567,7 @@
             </a:pPr>
             <a:r>
               <a:rPr lang="he-IL" dirty="0" smtClean="0"/>
-              <a:t> </a:t>
-            </a:r>
-            <a:r>
-              <a:rPr lang="he-IL" dirty="0" smtClean="0"/>
-              <a:t>דוגמאות ממסכי האפליקציה נכון לעכשיו :</a:t>
+              <a:t> דוגמאות ממסכי האפליקציה נכון לעכשיו :</a:t>
             </a:r>
           </a:p>
           <a:p>
@@ -5691,7 +5636,7 @@
     </p:spTree>
     <p:extLst>
       <p:ext uri="{BB962C8B-B14F-4D97-AF65-F5344CB8AC3E}">
-        <p14:creationId xmlns:p14="http://schemas.microsoft.com/office/powerpoint/2010/main" xmlns="" val="864639353"/>
+        <p14:creationId xmlns="" xmlns:p14="http://schemas.microsoft.com/office/powerpoint/2010/main" val="864639353"/>
       </p:ext>
     </p:extLst>
   </p:cSld>
@@ -5867,7 +5812,7 @@
     </p:spTree>
     <p:extLst>
       <p:ext uri="{BB962C8B-B14F-4D97-AF65-F5344CB8AC3E}">
-        <p14:creationId xmlns:p14="http://schemas.microsoft.com/office/powerpoint/2010/main" xmlns="" val="864639353"/>
+        <p14:creationId xmlns="" xmlns:p14="http://schemas.microsoft.com/office/powerpoint/2010/main" val="864639353"/>
       </p:ext>
     </p:extLst>
   </p:cSld>
@@ -5966,7 +5911,12 @@
             <p:ph idx="1"/>
           </p:nvPr>
         </p:nvSpPr>
-        <p:spPr/>
+        <p:spPr>
+          <a:xfrm>
+            <a:off x="467544" y="1268760"/>
+            <a:ext cx="8229600" cy="4525963"/>
+          </a:xfrm>
+        </p:spPr>
         <p:txBody>
           <a:bodyPr>
             <a:normAutofit/>
@@ -5979,13 +5929,8 @@
             </a:pPr>
             <a:r>
               <a:rPr lang="he-IL" dirty="0" smtClean="0"/>
-              <a:t> </a:t>
-            </a:r>
-            <a:r>
-              <a:rPr lang="he-IL" dirty="0" smtClean="0"/>
-              <a:t>מבנה מאגר הנתונים של האפליקציה :</a:t>
-            </a:r>
-            <a:endParaRPr lang="he-IL" dirty="0" smtClean="0"/>
+              <a:t> מבנה מאגר הנתונים של האפליקציה :</a:t>
+            </a:r>
           </a:p>
           <a:p>
             <a:pPr lvl="1">
@@ -6003,7 +5948,7 @@
       </p:sp>
       <p:pic>
         <p:nvPicPr>
-          <p:cNvPr id="1030" name="Picture 6"/>
+          <p:cNvPr id="1026" name="Picture 2"/>
           <p:cNvPicPr>
             <a:picLocks noChangeAspect="1" noChangeArrowheads="1"/>
           </p:cNvPicPr>
@@ -6011,15 +5956,15 @@
         </p:nvPicPr>
         <p:blipFill>
           <a:blip r:embed="rId3" cstate="print"/>
-          <a:srcRect/>
+          <a:srcRect l="25394" t="25633" r="51769" b="28867"/>
           <a:stretch>
             <a:fillRect/>
           </a:stretch>
         </p:blipFill>
         <p:spPr bwMode="auto">
           <a:xfrm>
-            <a:off x="2339752" y="5157192"/>
-            <a:ext cx="4263259" cy="1368152"/>
+            <a:off x="2195736" y="1772816"/>
+            <a:ext cx="4176464" cy="4680520"/>
           </a:xfrm>
           <a:prstGeom prst="rect">
             <a:avLst/>
@@ -6033,560 +5978,10 @@
           </a:ln>
         </p:spPr>
       </p:pic>
-      <p:pic>
-        <p:nvPicPr>
-          <p:cNvPr id="1031" name="Picture 7"/>
-          <p:cNvPicPr>
-            <a:picLocks noChangeAspect="1" noChangeArrowheads="1"/>
-          </p:cNvPicPr>
-          <p:nvPr/>
-        </p:nvPicPr>
-        <p:blipFill>
-          <a:blip r:embed="rId4" cstate="print"/>
-          <a:srcRect/>
-          <a:stretch>
-            <a:fillRect/>
-          </a:stretch>
-        </p:blipFill>
-        <p:spPr bwMode="auto">
-          <a:xfrm>
-            <a:off x="251520" y="2348880"/>
-            <a:ext cx="4743450" cy="1600200"/>
-          </a:xfrm>
-          <a:prstGeom prst="rect">
-            <a:avLst/>
-          </a:prstGeom>
-          <a:noFill/>
-          <a:ln w="9525">
-            <a:noFill/>
-            <a:miter lim="800000"/>
-            <a:headEnd/>
-            <a:tailEnd/>
-          </a:ln>
-        </p:spPr>
-      </p:pic>
-      <p:sp>
-        <p:nvSpPr>
-          <p:cNvPr id="19" name="מלבן 18"/>
-          <p:cNvSpPr/>
-          <p:nvPr/>
-        </p:nvSpPr>
-        <p:spPr>
-          <a:xfrm>
-            <a:off x="2339752" y="4725144"/>
-            <a:ext cx="2232248" cy="216024"/>
-          </a:xfrm>
-          <a:prstGeom prst="rect">
-            <a:avLst/>
-          </a:prstGeom>
-        </p:spPr>
-        <p:style>
-          <a:lnRef idx="2">
-            <a:schemeClr val="accent1">
-              <a:shade val="50000"/>
-            </a:schemeClr>
-          </a:lnRef>
-          <a:fillRef idx="1">
-            <a:schemeClr val="accent1"/>
-          </a:fillRef>
-          <a:effectRef idx="0">
-            <a:schemeClr val="accent1"/>
-          </a:effectRef>
-          <a:fontRef idx="minor">
-            <a:schemeClr val="lt1"/>
-          </a:fontRef>
-        </p:style>
-        <p:txBody>
-          <a:bodyPr rtlCol="1" anchor="ctr"/>
-          <a:lstStyle/>
-          <a:p>
-            <a:pPr algn="ctr"/>
-            <a:endParaRPr lang="he-IL"/>
-          </a:p>
-        </p:txBody>
-      </p:sp>
-      <p:sp>
-        <p:nvSpPr>
-          <p:cNvPr id="20" name="TextBox 19"/>
-          <p:cNvSpPr txBox="1"/>
-          <p:nvPr/>
-        </p:nvSpPr>
-        <p:spPr>
-          <a:xfrm>
-            <a:off x="2627784" y="4653136"/>
-            <a:ext cx="1512168" cy="369332"/>
-          </a:xfrm>
-          <a:prstGeom prst="rect">
-            <a:avLst/>
-          </a:prstGeom>
-          <a:noFill/>
-        </p:spPr>
-        <p:txBody>
-          <a:bodyPr wrap="square" rtlCol="1">
-            <a:spAutoFit/>
-          </a:bodyPr>
-          <a:lstStyle/>
-          <a:p>
-            <a:r>
-              <a:rPr lang="en-US" dirty="0" smtClean="0"/>
-              <a:t>PRIMARY KEY</a:t>
-            </a:r>
-            <a:endParaRPr lang="he-IL" dirty="0"/>
-          </a:p>
-        </p:txBody>
-      </p:sp>
-      <p:sp>
-        <p:nvSpPr>
-          <p:cNvPr id="23" name="מלבן 22"/>
-          <p:cNvSpPr/>
-          <p:nvPr/>
-        </p:nvSpPr>
-        <p:spPr>
-          <a:xfrm>
-            <a:off x="179513" y="2132856"/>
-            <a:ext cx="720080" cy="216024"/>
-          </a:xfrm>
-          <a:prstGeom prst="rect">
-            <a:avLst/>
-          </a:prstGeom>
-        </p:spPr>
-        <p:style>
-          <a:lnRef idx="2">
-            <a:schemeClr val="accent1">
-              <a:shade val="50000"/>
-            </a:schemeClr>
-          </a:lnRef>
-          <a:fillRef idx="1">
-            <a:schemeClr val="accent1"/>
-          </a:fillRef>
-          <a:effectRef idx="0">
-            <a:schemeClr val="accent1"/>
-          </a:effectRef>
-          <a:fontRef idx="minor">
-            <a:schemeClr val="lt1"/>
-          </a:fontRef>
-        </p:style>
-        <p:txBody>
-          <a:bodyPr rtlCol="1" anchor="ctr"/>
-          <a:lstStyle/>
-          <a:p>
-            <a:pPr algn="ctr"/>
-            <a:endParaRPr lang="he-IL" sz="800"/>
-          </a:p>
-        </p:txBody>
-      </p:sp>
-      <p:sp>
-        <p:nvSpPr>
-          <p:cNvPr id="24" name="TextBox 23"/>
-          <p:cNvSpPr txBox="1"/>
-          <p:nvPr/>
-        </p:nvSpPr>
-        <p:spPr>
-          <a:xfrm>
-            <a:off x="-396552" y="2132856"/>
-            <a:ext cx="1368152" cy="246221"/>
-          </a:xfrm>
-          <a:prstGeom prst="rect">
-            <a:avLst/>
-          </a:prstGeom>
-          <a:noFill/>
-        </p:spPr>
-        <p:txBody>
-          <a:bodyPr wrap="square" rtlCol="1">
-            <a:spAutoFit/>
-          </a:bodyPr>
-          <a:lstStyle/>
-          <a:p>
-            <a:r>
-              <a:rPr lang="en-US" sz="1000" dirty="0" smtClean="0"/>
-              <a:t>PRIMARY KEY</a:t>
-            </a:r>
-            <a:endParaRPr lang="he-IL" sz="1000" dirty="0"/>
-          </a:p>
-        </p:txBody>
-      </p:sp>
-      <p:sp>
-        <p:nvSpPr>
-          <p:cNvPr id="32" name="מלבן 31"/>
-          <p:cNvSpPr/>
-          <p:nvPr/>
-        </p:nvSpPr>
-        <p:spPr>
-          <a:xfrm>
-            <a:off x="2483768" y="4941168"/>
-            <a:ext cx="720080" cy="216024"/>
-          </a:xfrm>
-          <a:prstGeom prst="rect">
-            <a:avLst/>
-          </a:prstGeom>
-        </p:spPr>
-        <p:style>
-          <a:lnRef idx="2">
-            <a:schemeClr val="accent1">
-              <a:shade val="50000"/>
-            </a:schemeClr>
-          </a:lnRef>
-          <a:fillRef idx="1">
-            <a:schemeClr val="accent1"/>
-          </a:fillRef>
-          <a:effectRef idx="0">
-            <a:schemeClr val="accent1"/>
-          </a:effectRef>
-          <a:fontRef idx="minor">
-            <a:schemeClr val="lt1"/>
-          </a:fontRef>
-        </p:style>
-        <p:txBody>
-          <a:bodyPr rtlCol="1" anchor="ctr"/>
-          <a:lstStyle/>
-          <a:p>
-            <a:pPr algn="ctr"/>
-            <a:endParaRPr lang="he-IL" sz="800"/>
-          </a:p>
-        </p:txBody>
-      </p:sp>
-      <p:sp>
-        <p:nvSpPr>
-          <p:cNvPr id="33" name="מלבן 32"/>
-          <p:cNvSpPr/>
-          <p:nvPr/>
-        </p:nvSpPr>
-        <p:spPr>
-          <a:xfrm>
-            <a:off x="3635896" y="4941168"/>
-            <a:ext cx="720080" cy="216024"/>
-          </a:xfrm>
-          <a:prstGeom prst="rect">
-            <a:avLst/>
-          </a:prstGeom>
-        </p:spPr>
-        <p:style>
-          <a:lnRef idx="2">
-            <a:schemeClr val="accent1">
-              <a:shade val="50000"/>
-            </a:schemeClr>
-          </a:lnRef>
-          <a:fillRef idx="1">
-            <a:schemeClr val="accent1"/>
-          </a:fillRef>
-          <a:effectRef idx="0">
-            <a:schemeClr val="accent1"/>
-          </a:effectRef>
-          <a:fontRef idx="minor">
-            <a:schemeClr val="lt1"/>
-          </a:fontRef>
-        </p:style>
-        <p:txBody>
-          <a:bodyPr rtlCol="1" anchor="ctr"/>
-          <a:lstStyle/>
-          <a:p>
-            <a:pPr algn="ctr"/>
-            <a:endParaRPr lang="he-IL" sz="800"/>
-          </a:p>
-        </p:txBody>
-      </p:sp>
-      <p:sp>
-        <p:nvSpPr>
-          <p:cNvPr id="34" name="TextBox 33"/>
-          <p:cNvSpPr txBox="1"/>
-          <p:nvPr/>
-        </p:nvSpPr>
-        <p:spPr>
-          <a:xfrm>
-            <a:off x="3419872" y="4941168"/>
-            <a:ext cx="1008112" cy="246221"/>
-          </a:xfrm>
-          <a:prstGeom prst="rect">
-            <a:avLst/>
-          </a:prstGeom>
-          <a:noFill/>
-        </p:spPr>
-        <p:txBody>
-          <a:bodyPr wrap="square" rtlCol="1">
-            <a:spAutoFit/>
-          </a:bodyPr>
-          <a:lstStyle/>
-          <a:p>
-            <a:r>
-              <a:rPr lang="en-US" sz="1000" dirty="0" smtClean="0"/>
-              <a:t>FORGEIN KEY</a:t>
-            </a:r>
-            <a:endParaRPr lang="he-IL" sz="1000" dirty="0"/>
-          </a:p>
-        </p:txBody>
-      </p:sp>
-      <p:sp>
-        <p:nvSpPr>
-          <p:cNvPr id="35" name="TextBox 34"/>
-          <p:cNvSpPr txBox="1"/>
-          <p:nvPr/>
-        </p:nvSpPr>
-        <p:spPr>
-          <a:xfrm>
-            <a:off x="2267744" y="4941168"/>
-            <a:ext cx="1008112" cy="246221"/>
-          </a:xfrm>
-          <a:prstGeom prst="rect">
-            <a:avLst/>
-          </a:prstGeom>
-          <a:noFill/>
-        </p:spPr>
-        <p:txBody>
-          <a:bodyPr wrap="square" rtlCol="1">
-            <a:spAutoFit/>
-          </a:bodyPr>
-          <a:lstStyle/>
-          <a:p>
-            <a:r>
-              <a:rPr lang="en-US" sz="1000" dirty="0" smtClean="0"/>
-              <a:t>FORGEIN KEY</a:t>
-            </a:r>
-            <a:endParaRPr lang="he-IL" sz="1000" dirty="0"/>
-          </a:p>
-        </p:txBody>
-      </p:sp>
-      <p:cxnSp>
-        <p:nvCxnSpPr>
-          <p:cNvPr id="37" name="מחבר חץ ישר 36"/>
-          <p:cNvCxnSpPr/>
-          <p:nvPr/>
-        </p:nvCxnSpPr>
-        <p:spPr>
-          <a:xfrm flipH="1" flipV="1">
-            <a:off x="683568" y="3861048"/>
-            <a:ext cx="1800200" cy="1224136"/>
-          </a:xfrm>
-          <a:prstGeom prst="straightConnector1">
-            <a:avLst/>
-          </a:prstGeom>
-          <a:ln>
-            <a:tailEnd type="arrow"/>
-          </a:ln>
-        </p:spPr>
-        <p:style>
-          <a:lnRef idx="2">
-            <a:schemeClr val="dk1"/>
-          </a:lnRef>
-          <a:fillRef idx="0">
-            <a:schemeClr val="dk1"/>
-          </a:fillRef>
-          <a:effectRef idx="1">
-            <a:schemeClr val="dk1"/>
-          </a:effectRef>
-          <a:fontRef idx="minor">
-            <a:schemeClr val="tx1"/>
-          </a:fontRef>
-        </p:style>
-      </p:cxnSp>
-      <p:pic>
-        <p:nvPicPr>
-          <p:cNvPr id="40" name="Picture 5"/>
-          <p:cNvPicPr>
-            <a:picLocks noChangeAspect="1" noChangeArrowheads="1"/>
-          </p:cNvPicPr>
-          <p:nvPr/>
-        </p:nvPicPr>
-        <p:blipFill>
-          <a:blip r:embed="rId5" cstate="print"/>
-          <a:srcRect/>
-          <a:stretch>
-            <a:fillRect/>
-          </a:stretch>
-        </p:blipFill>
-        <p:spPr bwMode="auto">
-          <a:xfrm>
-            <a:off x="5364088" y="2420888"/>
-            <a:ext cx="2838450" cy="1485900"/>
-          </a:xfrm>
-          <a:prstGeom prst="rect">
-            <a:avLst/>
-          </a:prstGeom>
-          <a:noFill/>
-          <a:ln w="9525">
-            <a:noFill/>
-            <a:miter lim="800000"/>
-            <a:headEnd/>
-            <a:tailEnd/>
-          </a:ln>
-        </p:spPr>
-      </p:pic>
-      <p:sp>
-        <p:nvSpPr>
-          <p:cNvPr id="41" name="מלבן 40"/>
-          <p:cNvSpPr/>
-          <p:nvPr/>
-        </p:nvSpPr>
-        <p:spPr>
-          <a:xfrm>
-            <a:off x="5508104" y="2204864"/>
-            <a:ext cx="720080" cy="216024"/>
-          </a:xfrm>
-          <a:prstGeom prst="rect">
-            <a:avLst/>
-          </a:prstGeom>
-        </p:spPr>
-        <p:style>
-          <a:lnRef idx="2">
-            <a:schemeClr val="accent1">
-              <a:shade val="50000"/>
-            </a:schemeClr>
-          </a:lnRef>
-          <a:fillRef idx="1">
-            <a:schemeClr val="accent1"/>
-          </a:fillRef>
-          <a:effectRef idx="0">
-            <a:schemeClr val="accent1"/>
-          </a:effectRef>
-          <a:fontRef idx="minor">
-            <a:schemeClr val="lt1"/>
-          </a:fontRef>
-        </p:style>
-        <p:txBody>
-          <a:bodyPr rtlCol="1" anchor="ctr"/>
-          <a:lstStyle/>
-          <a:p>
-            <a:pPr algn="ctr"/>
-            <a:endParaRPr lang="he-IL" sz="800"/>
-          </a:p>
-        </p:txBody>
-      </p:sp>
-      <p:sp>
-        <p:nvSpPr>
-          <p:cNvPr id="42" name="מלבן 41"/>
-          <p:cNvSpPr/>
-          <p:nvPr/>
-        </p:nvSpPr>
-        <p:spPr>
-          <a:xfrm>
-            <a:off x="6372200" y="2204864"/>
-            <a:ext cx="720080" cy="216024"/>
-          </a:xfrm>
-          <a:prstGeom prst="rect">
-            <a:avLst/>
-          </a:prstGeom>
-        </p:spPr>
-        <p:style>
-          <a:lnRef idx="2">
-            <a:schemeClr val="accent1">
-              <a:shade val="50000"/>
-            </a:schemeClr>
-          </a:lnRef>
-          <a:fillRef idx="1">
-            <a:schemeClr val="accent1"/>
-          </a:fillRef>
-          <a:effectRef idx="0">
-            <a:schemeClr val="accent1"/>
-          </a:effectRef>
-          <a:fontRef idx="minor">
-            <a:schemeClr val="lt1"/>
-          </a:fontRef>
-        </p:style>
-        <p:txBody>
-          <a:bodyPr rtlCol="1" anchor="ctr"/>
-          <a:lstStyle/>
-          <a:p>
-            <a:pPr algn="ctr"/>
-            <a:endParaRPr lang="he-IL" sz="800"/>
-          </a:p>
-        </p:txBody>
-      </p:sp>
-      <p:sp>
-        <p:nvSpPr>
-          <p:cNvPr id="43" name="TextBox 42"/>
-          <p:cNvSpPr txBox="1"/>
-          <p:nvPr/>
-        </p:nvSpPr>
-        <p:spPr>
-          <a:xfrm>
-            <a:off x="5292080" y="2204864"/>
-            <a:ext cx="1008112" cy="246221"/>
-          </a:xfrm>
-          <a:prstGeom prst="rect">
-            <a:avLst/>
-          </a:prstGeom>
-          <a:noFill/>
-        </p:spPr>
-        <p:txBody>
-          <a:bodyPr wrap="square" rtlCol="1">
-            <a:spAutoFit/>
-          </a:bodyPr>
-          <a:lstStyle/>
-          <a:p>
-            <a:r>
-              <a:rPr lang="en-US" sz="1000" dirty="0" smtClean="0"/>
-              <a:t>PRIMARY KEY</a:t>
-            </a:r>
-            <a:endParaRPr lang="he-IL" sz="1000" dirty="0"/>
-          </a:p>
-        </p:txBody>
-      </p:sp>
-      <p:sp>
-        <p:nvSpPr>
-          <p:cNvPr id="44" name="TextBox 43"/>
-          <p:cNvSpPr txBox="1"/>
-          <p:nvPr/>
-        </p:nvSpPr>
-        <p:spPr>
-          <a:xfrm>
-            <a:off x="5652120" y="2204864"/>
-            <a:ext cx="1368152" cy="246221"/>
-          </a:xfrm>
-          <a:prstGeom prst="rect">
-            <a:avLst/>
-          </a:prstGeom>
-          <a:noFill/>
-        </p:spPr>
-        <p:txBody>
-          <a:bodyPr wrap="square" rtlCol="1">
-            <a:spAutoFit/>
-          </a:bodyPr>
-          <a:lstStyle/>
-          <a:p>
-            <a:r>
-              <a:rPr lang="en-US" sz="1000" dirty="0" smtClean="0"/>
-              <a:t>unique</a:t>
-            </a:r>
-            <a:endParaRPr lang="he-IL" sz="1000" dirty="0"/>
-          </a:p>
-        </p:txBody>
-      </p:sp>
-      <p:cxnSp>
-        <p:nvCxnSpPr>
-          <p:cNvPr id="39" name="מחבר חץ ישר 38"/>
-          <p:cNvCxnSpPr/>
-          <p:nvPr/>
-        </p:nvCxnSpPr>
-        <p:spPr>
-          <a:xfrm flipV="1">
-            <a:off x="4355976" y="3861048"/>
-            <a:ext cx="2016224" cy="1224136"/>
-          </a:xfrm>
-          <a:prstGeom prst="straightConnector1">
-            <a:avLst/>
-          </a:prstGeom>
-          <a:ln>
-            <a:tailEnd type="arrow"/>
-          </a:ln>
-        </p:spPr>
-        <p:style>
-          <a:lnRef idx="2">
-            <a:schemeClr val="dk1"/>
-          </a:lnRef>
-          <a:fillRef idx="0">
-            <a:schemeClr val="dk1"/>
-          </a:fillRef>
-          <a:effectRef idx="1">
-            <a:schemeClr val="dk1"/>
-          </a:effectRef>
-          <a:fontRef idx="minor">
-            <a:schemeClr val="tx1"/>
-          </a:fontRef>
-        </p:style>
-      </p:cxnSp>
     </p:spTree>
     <p:extLst>
       <p:ext uri="{BB962C8B-B14F-4D97-AF65-F5344CB8AC3E}">
-        <p14:creationId xmlns:p14="http://schemas.microsoft.com/office/powerpoint/2010/main" xmlns="" val="864639353"/>
+        <p14:creationId xmlns="" xmlns:p14="http://schemas.microsoft.com/office/powerpoint/2010/main" val="864639353"/>
       </p:ext>
     </p:extLst>
   </p:cSld>
@@ -6703,11 +6098,7 @@
             </a:pPr>
             <a:r>
               <a:rPr lang="he-IL" dirty="0" smtClean="0"/>
-              <a:t> </a:t>
-            </a:r>
-            <a:r>
-              <a:rPr lang="he-IL" dirty="0" smtClean="0"/>
-              <a:t>אלגוריתם הסיווג:</a:t>
+              <a:t> אלגוריתם הסיווג:</a:t>
             </a:r>
           </a:p>
           <a:p>
@@ -6829,7 +6220,7 @@
     </p:spTree>
     <p:extLst>
       <p:ext uri="{BB962C8B-B14F-4D97-AF65-F5344CB8AC3E}">
-        <p14:creationId xmlns:p14="http://schemas.microsoft.com/office/powerpoint/2010/main" xmlns="" val="864639353"/>
+        <p14:creationId xmlns="" xmlns:p14="http://schemas.microsoft.com/office/powerpoint/2010/main" val="864639353"/>
       </p:ext>
     </p:extLst>
   </p:cSld>

--- a/Documentation/ועדת מעבר שניה - מצגת.pptx
+++ b/Documentation/ועדת מעבר שניה - מצגת.pptx
@@ -5,7 +5,7 @@
     <p:sldMasterId id="2147483672" r:id="rId1"/>
   </p:sldMasterIdLst>
   <p:notesMasterIdLst>
-    <p:notesMasterId r:id="rId16"/>
+    <p:notesMasterId r:id="rId17"/>
   </p:notesMasterIdLst>
   <p:sldIdLst>
     <p:sldId id="283" r:id="rId2"/>
@@ -19,9 +19,10 @@
     <p:sldId id="286" r:id="rId10"/>
     <p:sldId id="290" r:id="rId11"/>
     <p:sldId id="291" r:id="rId12"/>
-    <p:sldId id="281" r:id="rId13"/>
-    <p:sldId id="279" r:id="rId14"/>
-    <p:sldId id="277" r:id="rId15"/>
+    <p:sldId id="292" r:id="rId13"/>
+    <p:sldId id="281" r:id="rId14"/>
+    <p:sldId id="279" r:id="rId15"/>
+    <p:sldId id="277" r:id="rId16"/>
   </p:sldIdLst>
   <p:sldSz cx="9144000" cy="6858000" type="screen4x3"/>
   <p:notesSz cx="6858000" cy="9144000"/>
@@ -122,7 +123,7 @@
   </p:defaultTextStyle>
   <p:extLst>
     <p:ext uri="{EFAFB233-063F-42B5-8137-9DF3F51BA10A}">
-      <p15:sldGuideLst xmlns="" xmlns:p15="http://schemas.microsoft.com/office/powerpoint/2012/main">
+      <p15:sldGuideLst xmlns:p15="http://schemas.microsoft.com/office/powerpoint/2012/main" xmlns="">
         <p15:guide id="1" orient="horz" pos="2160">
           <p15:clr>
             <a:srgbClr val="A4A3A4"/>
@@ -144,7 +145,7 @@
   <p:cmAuthor id="1" name="Yehuda" initials="Y" lastIdx="0" clrIdx="0">
     <p:extLst>
       <p:ext uri="{19B8F6BF-5375-455C-9EA6-DF929625EA0E}">
-        <p15:presenceInfo xmlns="" xmlns:p15="http://schemas.microsoft.com/office/powerpoint/2012/main" userId="Yehuda" providerId="None"/>
+        <p15:presenceInfo xmlns:p15="http://schemas.microsoft.com/office/powerpoint/2012/main" xmlns="" userId="Yehuda" providerId="None"/>
       </p:ext>
     </p:extLst>
   </p:cmAuthor>
@@ -234,7 +235,7 @@
             <a:fld id="{416AAA16-F7F4-4BB7-BC2D-56E3A3EFD626}" type="datetimeFigureOut">
               <a:rPr lang="he-IL" smtClean="0"/>
               <a:pPr/>
-              <a:t>ט"ז/אייר/תשע"ה</a:t>
+              <a:t>י"ז/אייר/תשע"ה</a:t>
             </a:fld>
             <a:endParaRPr lang="he-IL"/>
           </a:p>
@@ -405,7 +406,7 @@
     </p:spTree>
     <p:extLst>
       <p:ext uri="{BB962C8B-B14F-4D97-AF65-F5344CB8AC3E}">
-        <p14:creationId xmlns="" xmlns:p14="http://schemas.microsoft.com/office/powerpoint/2010/main" val="959749123"/>
+        <p14:creationId xmlns:p14="http://schemas.microsoft.com/office/powerpoint/2010/main" xmlns="" val="959749123"/>
       </p:ext>
     </p:extLst>
   </p:cSld>
@@ -687,7 +688,7 @@
             <a:fld id="{0309AE4F-9C54-4FEE-ACEC-1FFC3EC84708}" type="datetimeFigureOut">
               <a:rPr lang="he-IL" smtClean="0"/>
               <a:pPr/>
-              <a:t>ט"ז/אייר/תשע"ה</a:t>
+              <a:t>י"ז/אייר/תשע"ה</a:t>
             </a:fld>
             <a:endParaRPr lang="he-IL"/>
           </a:p>
@@ -864,7 +865,7 @@
             <a:fld id="{0309AE4F-9C54-4FEE-ACEC-1FFC3EC84708}" type="datetimeFigureOut">
               <a:rPr lang="he-IL" smtClean="0"/>
               <a:pPr/>
-              <a:t>ט"ז/אייר/תשע"ה</a:t>
+              <a:t>י"ז/אייר/תשע"ה</a:t>
             </a:fld>
             <a:endParaRPr lang="he-IL"/>
           </a:p>
@@ -1041,7 +1042,7 @@
             <a:fld id="{0309AE4F-9C54-4FEE-ACEC-1FFC3EC84708}" type="datetimeFigureOut">
               <a:rPr lang="he-IL" smtClean="0"/>
               <a:pPr/>
-              <a:t>ט"ז/אייר/תשע"ה</a:t>
+              <a:t>י"ז/אייר/תשע"ה</a:t>
             </a:fld>
             <a:endParaRPr lang="he-IL"/>
           </a:p>
@@ -1208,7 +1209,7 @@
             <a:fld id="{0309AE4F-9C54-4FEE-ACEC-1FFC3EC84708}" type="datetimeFigureOut">
               <a:rPr lang="he-IL" smtClean="0"/>
               <a:pPr/>
-              <a:t>ט"ז/אייר/תשע"ה</a:t>
+              <a:t>י"ז/אייר/תשע"ה</a:t>
             </a:fld>
             <a:endParaRPr lang="he-IL"/>
           </a:p>
@@ -1451,7 +1452,7 @@
             <a:fld id="{0309AE4F-9C54-4FEE-ACEC-1FFC3EC84708}" type="datetimeFigureOut">
               <a:rPr lang="he-IL" smtClean="0"/>
               <a:pPr/>
-              <a:t>ט"ז/אייר/תשע"ה</a:t>
+              <a:t>י"ז/אייר/תשע"ה</a:t>
             </a:fld>
             <a:endParaRPr lang="he-IL"/>
           </a:p>
@@ -1736,7 +1737,7 @@
             <a:fld id="{0309AE4F-9C54-4FEE-ACEC-1FFC3EC84708}" type="datetimeFigureOut">
               <a:rPr lang="he-IL" smtClean="0"/>
               <a:pPr/>
-              <a:t>ט"ז/אייר/תשע"ה</a:t>
+              <a:t>י"ז/אייר/תשע"ה</a:t>
             </a:fld>
             <a:endParaRPr lang="he-IL"/>
           </a:p>
@@ -2155,7 +2156,7 @@
             <a:fld id="{0309AE4F-9C54-4FEE-ACEC-1FFC3EC84708}" type="datetimeFigureOut">
               <a:rPr lang="he-IL" smtClean="0"/>
               <a:pPr/>
-              <a:t>ט"ז/אייר/תשע"ה</a:t>
+              <a:t>י"ז/אייר/תשע"ה</a:t>
             </a:fld>
             <a:endParaRPr lang="he-IL"/>
           </a:p>
@@ -2270,7 +2271,7 @@
             <a:fld id="{0309AE4F-9C54-4FEE-ACEC-1FFC3EC84708}" type="datetimeFigureOut">
               <a:rPr lang="he-IL" smtClean="0"/>
               <a:pPr/>
-              <a:t>ט"ז/אייר/תשע"ה</a:t>
+              <a:t>י"ז/אייר/תשע"ה</a:t>
             </a:fld>
             <a:endParaRPr lang="he-IL"/>
           </a:p>
@@ -2362,7 +2363,7 @@
             <a:fld id="{0309AE4F-9C54-4FEE-ACEC-1FFC3EC84708}" type="datetimeFigureOut">
               <a:rPr lang="he-IL" smtClean="0"/>
               <a:pPr/>
-              <a:t>ט"ז/אייר/תשע"ה</a:t>
+              <a:t>י"ז/אייר/תשע"ה</a:t>
             </a:fld>
             <a:endParaRPr lang="he-IL"/>
           </a:p>
@@ -2636,7 +2637,7 @@
             <a:fld id="{0309AE4F-9C54-4FEE-ACEC-1FFC3EC84708}" type="datetimeFigureOut">
               <a:rPr lang="he-IL" smtClean="0"/>
               <a:pPr/>
-              <a:t>ט"ז/אייר/תשע"ה</a:t>
+              <a:t>י"ז/אייר/תשע"ה</a:t>
             </a:fld>
             <a:endParaRPr lang="he-IL"/>
           </a:p>
@@ -2886,7 +2887,7 @@
             <a:fld id="{0309AE4F-9C54-4FEE-ACEC-1FFC3EC84708}" type="datetimeFigureOut">
               <a:rPr lang="he-IL" smtClean="0"/>
               <a:pPr/>
-              <a:t>ט"ז/אייר/תשע"ה</a:t>
+              <a:t>י"ז/אייר/תשע"ה</a:t>
             </a:fld>
             <a:endParaRPr lang="he-IL"/>
           </a:p>
@@ -3545,7 +3546,7 @@
     </p:spTree>
     <p:extLst>
       <p:ext uri="{BB962C8B-B14F-4D97-AF65-F5344CB8AC3E}">
-        <p14:creationId xmlns="" xmlns:p14="http://schemas.microsoft.com/office/powerpoint/2010/main" val="805580924"/>
+        <p14:creationId xmlns:p14="http://schemas.microsoft.com/office/powerpoint/2010/main" xmlns="" val="805580924"/>
       </p:ext>
     </p:extLst>
   </p:cSld>
@@ -3854,7 +3855,7 @@
     </p:spTree>
     <p:extLst>
       <p:ext uri="{BB962C8B-B14F-4D97-AF65-F5344CB8AC3E}">
-        <p14:creationId xmlns="" xmlns:p14="http://schemas.microsoft.com/office/powerpoint/2010/main" val="864639353"/>
+        <p14:creationId xmlns:p14="http://schemas.microsoft.com/office/powerpoint/2010/main" xmlns="" val="864639353"/>
       </p:ext>
     </p:extLst>
   </p:cSld>
@@ -4082,7 +4083,7 @@
     </p:spTree>
     <p:extLst>
       <p:ext uri="{BB962C8B-B14F-4D97-AF65-F5344CB8AC3E}">
-        <p14:creationId xmlns="" xmlns:p14="http://schemas.microsoft.com/office/powerpoint/2010/main" val="864639353"/>
+        <p14:creationId xmlns:p14="http://schemas.microsoft.com/office/powerpoint/2010/main" xmlns="" val="864639353"/>
       </p:ext>
     </p:extLst>
   </p:cSld>
@@ -4100,6 +4101,127 @@
 </file>
 
 <file path=ppt/slides/slide12.xml><?xml version="1.0" encoding="utf-8"?>
+<p:sld xmlns:a="http://schemas.openxmlformats.org/drawingml/2006/main" xmlns:r="http://schemas.openxmlformats.org/officeDocument/2006/relationships" xmlns:p="http://schemas.openxmlformats.org/presentationml/2006/main">
+  <p:cSld>
+    <p:spTree>
+      <p:nvGrpSpPr>
+        <p:cNvPr id="1" name=""/>
+        <p:cNvGrpSpPr/>
+        <p:nvPr/>
+      </p:nvGrpSpPr>
+      <p:grpSpPr>
+        <a:xfrm>
+          <a:off x="0" y="0"/>
+          <a:ext cx="0" cy="0"/>
+          <a:chOff x="0" y="0"/>
+          <a:chExt cx="0" cy="0"/>
+        </a:xfrm>
+      </p:grpSpPr>
+      <p:pic>
+        <p:nvPicPr>
+          <p:cNvPr id="4" name="Picture 4"/>
+          <p:cNvPicPr>
+            <a:picLocks noChangeAspect="1" noChangeArrowheads="1"/>
+          </p:cNvPicPr>
+          <p:nvPr/>
+        </p:nvPicPr>
+        <p:blipFill>
+          <a:blip r:embed="rId2" cstate="print"/>
+          <a:srcRect/>
+          <a:stretch>
+            <a:fillRect/>
+          </a:stretch>
+        </p:blipFill>
+        <p:spPr bwMode="auto">
+          <a:xfrm>
+            <a:off x="1" y="-15099"/>
+            <a:ext cx="9143999" cy="6873099"/>
+          </a:xfrm>
+          <a:prstGeom prst="rect">
+            <a:avLst/>
+          </a:prstGeom>
+          <a:noFill/>
+          <a:ln w="12700" cap="rnd">
+            <a:noFill/>
+            <a:round/>
+            <a:headEnd/>
+            <a:tailEnd/>
+          </a:ln>
+        </p:spPr>
+      </p:pic>
+      <p:sp>
+        <p:nvSpPr>
+          <p:cNvPr id="2" name="כותרת 1"/>
+          <p:cNvSpPr>
+            <a:spLocks noGrp="1"/>
+          </p:cNvSpPr>
+          <p:nvPr>
+            <p:ph type="title"/>
+          </p:nvPr>
+        </p:nvSpPr>
+        <p:spPr>
+          <a:xfrm>
+            <a:off x="467544" y="0"/>
+            <a:ext cx="8229600" cy="1143000"/>
+          </a:xfrm>
+        </p:spPr>
+        <p:txBody>
+          <a:bodyPr/>
+          <a:lstStyle/>
+          <a:p>
+            <a:r>
+              <a:rPr lang="he-IL" dirty="0" smtClean="0"/>
+              <a:t>פוסטר:</a:t>
+            </a:r>
+            <a:endParaRPr lang="he-IL" dirty="0"/>
+          </a:p>
+        </p:txBody>
+      </p:sp>
+      <p:pic>
+        <p:nvPicPr>
+          <p:cNvPr id="8" name="תמונה 7" descr="11208964_10206771052140869_880216498_n.jpg"/>
+          <p:cNvPicPr>
+            <a:picLocks noChangeAspect="1"/>
+          </p:cNvPicPr>
+          <p:nvPr/>
+        </p:nvPicPr>
+        <p:blipFill>
+          <a:blip r:embed="rId3" cstate="print"/>
+          <a:stretch>
+            <a:fillRect/>
+          </a:stretch>
+        </p:blipFill>
+        <p:spPr>
+          <a:xfrm>
+            <a:off x="2555776" y="1196752"/>
+            <a:ext cx="3786312" cy="5369068"/>
+          </a:xfrm>
+          <a:prstGeom prst="rect">
+            <a:avLst/>
+          </a:prstGeom>
+        </p:spPr>
+      </p:pic>
+    </p:spTree>
+    <p:extLst>
+      <p:ext uri="{BB962C8B-B14F-4D97-AF65-F5344CB8AC3E}">
+        <p14:creationId xmlns:p14="http://schemas.microsoft.com/office/powerpoint/2010/main" xmlns="" val="864639353"/>
+      </p:ext>
+    </p:extLst>
+  </p:cSld>
+  <p:clrMapOvr>
+    <a:masterClrMapping/>
+  </p:clrMapOvr>
+  <p:timing>
+    <p:tnLst>
+      <p:par>
+        <p:cTn id="1" dur="indefinite" restart="never" nodeType="tmRoot"/>
+      </p:par>
+    </p:tnLst>
+  </p:timing>
+</p:sld>
+</file>
+
+<file path=ppt/slides/slide13.xml><?xml version="1.0" encoding="utf-8"?>
 <p:sld xmlns:a="http://schemas.openxmlformats.org/drawingml/2006/main" xmlns:r="http://schemas.openxmlformats.org/officeDocument/2006/relationships" xmlns:p="http://schemas.openxmlformats.org/presentationml/2006/main">
   <p:cSld>
     <p:spTree>
@@ -4438,151 +4560,7 @@
     </p:spTree>
     <p:extLst>
       <p:ext uri="{BB962C8B-B14F-4D97-AF65-F5344CB8AC3E}">
-        <p14:creationId xmlns="" xmlns:p14="http://schemas.microsoft.com/office/powerpoint/2010/main" val="1941984800"/>
-      </p:ext>
-    </p:extLst>
-  </p:cSld>
-  <p:clrMapOvr>
-    <a:masterClrMapping/>
-  </p:clrMapOvr>
-  <p:timing>
-    <p:tnLst>
-      <p:par>
-        <p:cTn id="1" dur="indefinite" restart="never" nodeType="tmRoot"/>
-      </p:par>
-    </p:tnLst>
-  </p:timing>
-</p:sld>
-</file>
-
-<file path=ppt/slides/slide13.xml><?xml version="1.0" encoding="utf-8"?>
-<p:sld xmlns:a="http://schemas.openxmlformats.org/drawingml/2006/main" xmlns:r="http://schemas.openxmlformats.org/officeDocument/2006/relationships" xmlns:p="http://schemas.openxmlformats.org/presentationml/2006/main">
-  <p:cSld>
-    <p:spTree>
-      <p:nvGrpSpPr>
-        <p:cNvPr id="1" name=""/>
-        <p:cNvGrpSpPr/>
-        <p:nvPr/>
-      </p:nvGrpSpPr>
-      <p:grpSpPr>
-        <a:xfrm>
-          <a:off x="0" y="0"/>
-          <a:ext cx="0" cy="0"/>
-          <a:chOff x="0" y="0"/>
-          <a:chExt cx="0" cy="0"/>
-        </a:xfrm>
-      </p:grpSpPr>
-      <p:pic>
-        <p:nvPicPr>
-          <p:cNvPr id="4" name="Picture 4"/>
-          <p:cNvPicPr>
-            <a:picLocks noChangeAspect="1" noChangeArrowheads="1"/>
-          </p:cNvPicPr>
-          <p:nvPr/>
-        </p:nvPicPr>
-        <p:blipFill>
-          <a:blip r:embed="rId2" cstate="print"/>
-          <a:srcRect/>
-          <a:stretch>
-            <a:fillRect/>
-          </a:stretch>
-        </p:blipFill>
-        <p:spPr bwMode="auto">
-          <a:xfrm>
-            <a:off x="1" y="0"/>
-            <a:ext cx="9143999" cy="6873099"/>
-          </a:xfrm>
-          <a:prstGeom prst="rect">
-            <a:avLst/>
-          </a:prstGeom>
-          <a:noFill/>
-          <a:ln w="12700" cap="rnd">
-            <a:noFill/>
-            <a:round/>
-            <a:headEnd/>
-            <a:tailEnd/>
-          </a:ln>
-        </p:spPr>
-      </p:pic>
-      <p:sp>
-        <p:nvSpPr>
-          <p:cNvPr id="2" name="כותרת 1"/>
-          <p:cNvSpPr>
-            <a:spLocks noGrp="1"/>
-          </p:cNvSpPr>
-          <p:nvPr>
-            <p:ph type="title"/>
-          </p:nvPr>
-        </p:nvSpPr>
-        <p:spPr/>
-        <p:txBody>
-          <a:bodyPr/>
-          <a:lstStyle/>
-          <a:p>
-            <a:r>
-              <a:rPr lang="he-IL" dirty="0" smtClean="0"/>
-              <a:t>פוטנציאלי עסקי</a:t>
-            </a:r>
-            <a:endParaRPr lang="he-IL" dirty="0"/>
-          </a:p>
-        </p:txBody>
-      </p:sp>
-      <p:sp>
-        <p:nvSpPr>
-          <p:cNvPr id="3" name="מציין מיקום תוכן 2"/>
-          <p:cNvSpPr>
-            <a:spLocks noGrp="1"/>
-          </p:cNvSpPr>
-          <p:nvPr>
-            <p:ph idx="1"/>
-          </p:nvPr>
-        </p:nvSpPr>
-        <p:spPr/>
-        <p:txBody>
-          <a:bodyPr>
-            <a:normAutofit/>
-          </a:bodyPr>
-          <a:lstStyle/>
-          <a:p>
-            <a:pPr lvl="1">
-              <a:buFont typeface="Wingdings" pitchFamily="2" charset="2"/>
-              <a:buChar char="q"/>
-            </a:pPr>
-            <a:r>
-              <a:rPr lang="he-IL" dirty="0" smtClean="0"/>
-              <a:t>האפליקציה תשמש את כל מי שרוצה לקרוא כתבות באופן מותאם לו.</a:t>
-            </a:r>
-            <a:endParaRPr lang="en-US" dirty="0" smtClean="0"/>
-          </a:p>
-          <a:p>
-            <a:pPr lvl="1">
-              <a:buNone/>
-            </a:pPr>
-            <a:endParaRPr lang="he-IL" dirty="0" smtClean="0"/>
-          </a:p>
-          <a:p>
-            <a:pPr lvl="1">
-              <a:buFont typeface="Wingdings" pitchFamily="2" charset="2"/>
-              <a:buChar char="q"/>
-            </a:pPr>
-            <a:r>
-              <a:rPr lang="he-IL" dirty="0" smtClean="0"/>
-              <a:t> בהמשך האפליקציה תוכל לייחצן כתבות מכל אתר חדשות שירצה בכך.</a:t>
-            </a:r>
-          </a:p>
-          <a:p>
-            <a:pPr lvl="1">
-              <a:buFont typeface="Wingdings" pitchFamily="2" charset="2"/>
-              <a:buChar char="q"/>
-            </a:pPr>
-            <a:endParaRPr lang="he-IL" dirty="0"/>
-          </a:p>
-        </p:txBody>
-      </p:sp>
-    </p:spTree>
-    <p:extLst>
-      <p:ext uri="{BB962C8B-B14F-4D97-AF65-F5344CB8AC3E}">
-        <p14:creationId xmlns="" xmlns:p14="http://schemas.microsoft.com/office/powerpoint/2010/main" val="525589147"/>
+        <p14:creationId xmlns:p14="http://schemas.microsoft.com/office/powerpoint/2010/main" xmlns="" val="1941984800"/>
       </p:ext>
     </p:extLst>
   </p:cSld>
@@ -4665,7 +4643,7 @@
           <a:p>
             <a:r>
               <a:rPr lang="he-IL" dirty="0" smtClean="0"/>
-              <a:t>ציוד מיוחד ליום הפרויקטים</a:t>
+              <a:t>פוטנציאלי עסקי</a:t>
             </a:r>
             <a:endParaRPr lang="he-IL" dirty="0"/>
           </a:p>
@@ -4694,8 +4672,9 @@
             </a:pPr>
             <a:r>
               <a:rPr lang="he-IL" dirty="0" smtClean="0"/>
-              <a:t> מסך </a:t>
-            </a:r>
+              <a:t>האפליקציה תשמש את כל מי שרוצה לקרוא כתבות באופן מותאם לו.</a:t>
+            </a:r>
+            <a:endParaRPr lang="en-US" dirty="0" smtClean="0"/>
           </a:p>
           <a:p>
             <a:pPr lvl="1">
@@ -4704,8 +4683,19 @@
             <a:endParaRPr lang="he-IL" dirty="0" smtClean="0"/>
           </a:p>
           <a:p>
-            <a:pPr marL="457200" lvl="1" indent="0">
-              <a:buNone/>
+            <a:pPr lvl="1">
+              <a:buFont typeface="Wingdings" pitchFamily="2" charset="2"/>
+              <a:buChar char="q"/>
+            </a:pPr>
+            <a:r>
+              <a:rPr lang="he-IL" dirty="0" smtClean="0"/>
+              <a:t> בהמשך האפליקציה תוכל לייחצן כתבות מכל אתר חדשות שירצה בכך.</a:t>
+            </a:r>
+          </a:p>
+          <a:p>
+            <a:pPr lvl="1">
+              <a:buFont typeface="Wingdings" pitchFamily="2" charset="2"/>
+              <a:buChar char="q"/>
             </a:pPr>
             <a:endParaRPr lang="he-IL" dirty="0"/>
           </a:p>
@@ -4714,7 +4704,139 @@
     </p:spTree>
     <p:extLst>
       <p:ext uri="{BB962C8B-B14F-4D97-AF65-F5344CB8AC3E}">
-        <p14:creationId xmlns="" xmlns:p14="http://schemas.microsoft.com/office/powerpoint/2010/main" val="2819983716"/>
+        <p14:creationId xmlns:p14="http://schemas.microsoft.com/office/powerpoint/2010/main" xmlns="" val="525589147"/>
+      </p:ext>
+    </p:extLst>
+  </p:cSld>
+  <p:clrMapOvr>
+    <a:masterClrMapping/>
+  </p:clrMapOvr>
+  <p:timing>
+    <p:tnLst>
+      <p:par>
+        <p:cTn id="1" dur="indefinite" restart="never" nodeType="tmRoot"/>
+      </p:par>
+    </p:tnLst>
+  </p:timing>
+</p:sld>
+</file>
+
+<file path=ppt/slides/slide15.xml><?xml version="1.0" encoding="utf-8"?>
+<p:sld xmlns:a="http://schemas.openxmlformats.org/drawingml/2006/main" xmlns:r="http://schemas.openxmlformats.org/officeDocument/2006/relationships" xmlns:p="http://schemas.openxmlformats.org/presentationml/2006/main">
+  <p:cSld>
+    <p:spTree>
+      <p:nvGrpSpPr>
+        <p:cNvPr id="1" name=""/>
+        <p:cNvGrpSpPr/>
+        <p:nvPr/>
+      </p:nvGrpSpPr>
+      <p:grpSpPr>
+        <a:xfrm>
+          <a:off x="0" y="0"/>
+          <a:ext cx="0" cy="0"/>
+          <a:chOff x="0" y="0"/>
+          <a:chExt cx="0" cy="0"/>
+        </a:xfrm>
+      </p:grpSpPr>
+      <p:pic>
+        <p:nvPicPr>
+          <p:cNvPr id="4" name="Picture 4"/>
+          <p:cNvPicPr>
+            <a:picLocks noChangeAspect="1" noChangeArrowheads="1"/>
+          </p:cNvPicPr>
+          <p:nvPr/>
+        </p:nvPicPr>
+        <p:blipFill>
+          <a:blip r:embed="rId2" cstate="print"/>
+          <a:srcRect/>
+          <a:stretch>
+            <a:fillRect/>
+          </a:stretch>
+        </p:blipFill>
+        <p:spPr bwMode="auto">
+          <a:xfrm>
+            <a:off x="1" y="0"/>
+            <a:ext cx="9143999" cy="6873099"/>
+          </a:xfrm>
+          <a:prstGeom prst="rect">
+            <a:avLst/>
+          </a:prstGeom>
+          <a:noFill/>
+          <a:ln w="12700" cap="rnd">
+            <a:noFill/>
+            <a:round/>
+            <a:headEnd/>
+            <a:tailEnd/>
+          </a:ln>
+        </p:spPr>
+      </p:pic>
+      <p:sp>
+        <p:nvSpPr>
+          <p:cNvPr id="2" name="כותרת 1"/>
+          <p:cNvSpPr>
+            <a:spLocks noGrp="1"/>
+          </p:cNvSpPr>
+          <p:nvPr>
+            <p:ph type="title"/>
+          </p:nvPr>
+        </p:nvSpPr>
+        <p:spPr/>
+        <p:txBody>
+          <a:bodyPr/>
+          <a:lstStyle/>
+          <a:p>
+            <a:r>
+              <a:rPr lang="he-IL" dirty="0" smtClean="0"/>
+              <a:t>ציוד מיוחד ליום הפרויקטים</a:t>
+            </a:r>
+            <a:endParaRPr lang="he-IL" dirty="0"/>
+          </a:p>
+        </p:txBody>
+      </p:sp>
+      <p:sp>
+        <p:nvSpPr>
+          <p:cNvPr id="3" name="מציין מיקום תוכן 2"/>
+          <p:cNvSpPr>
+            <a:spLocks noGrp="1"/>
+          </p:cNvSpPr>
+          <p:nvPr>
+            <p:ph idx="1"/>
+          </p:nvPr>
+        </p:nvSpPr>
+        <p:spPr/>
+        <p:txBody>
+          <a:bodyPr>
+            <a:normAutofit/>
+          </a:bodyPr>
+          <a:lstStyle/>
+          <a:p>
+            <a:pPr lvl="1">
+              <a:buFont typeface="Wingdings" pitchFamily="2" charset="2"/>
+              <a:buChar char="q"/>
+            </a:pPr>
+            <a:r>
+              <a:rPr lang="he-IL" dirty="0" smtClean="0"/>
+              <a:t> מסך </a:t>
+            </a:r>
+          </a:p>
+          <a:p>
+            <a:pPr lvl="1">
+              <a:buNone/>
+            </a:pPr>
+            <a:endParaRPr lang="he-IL" dirty="0" smtClean="0"/>
+          </a:p>
+          <a:p>
+            <a:pPr marL="457200" lvl="1" indent="0">
+              <a:buNone/>
+            </a:pPr>
+            <a:endParaRPr lang="he-IL" dirty="0"/>
+          </a:p>
+        </p:txBody>
+      </p:sp>
+    </p:spTree>
+    <p:extLst>
+      <p:ext uri="{BB962C8B-B14F-4D97-AF65-F5344CB8AC3E}">
+        <p14:creationId xmlns:p14="http://schemas.microsoft.com/office/powerpoint/2010/main" xmlns="" val="2819983716"/>
       </p:ext>
     </p:extLst>
   </p:cSld>
@@ -4856,7 +4978,7 @@
     </p:spTree>
     <p:extLst>
       <p:ext uri="{BB962C8B-B14F-4D97-AF65-F5344CB8AC3E}">
-        <p14:creationId xmlns="" xmlns:p14="http://schemas.microsoft.com/office/powerpoint/2010/main" val="1101506394"/>
+        <p14:creationId xmlns:p14="http://schemas.microsoft.com/office/powerpoint/2010/main" xmlns="" val="1101506394"/>
       </p:ext>
     </p:extLst>
   </p:cSld>
@@ -5013,7 +5135,7 @@
     </p:spTree>
     <p:extLst>
       <p:ext uri="{BB962C8B-B14F-4D97-AF65-F5344CB8AC3E}">
-        <p14:creationId xmlns="" xmlns:p14="http://schemas.microsoft.com/office/powerpoint/2010/main" val="371348189"/>
+        <p14:creationId xmlns:p14="http://schemas.microsoft.com/office/powerpoint/2010/main" xmlns="" val="371348189"/>
       </p:ext>
     </p:extLst>
   </p:cSld>
@@ -5178,7 +5300,7 @@
     </p:spTree>
     <p:extLst>
       <p:ext uri="{BB962C8B-B14F-4D97-AF65-F5344CB8AC3E}">
-        <p14:creationId xmlns="" xmlns:p14="http://schemas.microsoft.com/office/powerpoint/2010/main" val="4033114717"/>
+        <p14:creationId xmlns:p14="http://schemas.microsoft.com/office/powerpoint/2010/main" xmlns="" val="4033114717"/>
       </p:ext>
     </p:extLst>
   </p:cSld>
@@ -5450,7 +5572,7 @@
     </p:spTree>
     <p:extLst>
       <p:ext uri="{BB962C8B-B14F-4D97-AF65-F5344CB8AC3E}">
-        <p14:creationId xmlns="" xmlns:p14="http://schemas.microsoft.com/office/powerpoint/2010/main" val="864639353"/>
+        <p14:creationId xmlns:p14="http://schemas.microsoft.com/office/powerpoint/2010/main" xmlns="" val="864639353"/>
       </p:ext>
     </p:extLst>
   </p:cSld>
@@ -5636,7 +5758,7 @@
     </p:spTree>
     <p:extLst>
       <p:ext uri="{BB962C8B-B14F-4D97-AF65-F5344CB8AC3E}">
-        <p14:creationId xmlns="" xmlns:p14="http://schemas.microsoft.com/office/powerpoint/2010/main" val="864639353"/>
+        <p14:creationId xmlns:p14="http://schemas.microsoft.com/office/powerpoint/2010/main" xmlns="" val="864639353"/>
       </p:ext>
     </p:extLst>
   </p:cSld>
@@ -5812,7 +5934,7 @@
     </p:spTree>
     <p:extLst>
       <p:ext uri="{BB962C8B-B14F-4D97-AF65-F5344CB8AC3E}">
-        <p14:creationId xmlns="" xmlns:p14="http://schemas.microsoft.com/office/powerpoint/2010/main" val="864639353"/>
+        <p14:creationId xmlns:p14="http://schemas.microsoft.com/office/powerpoint/2010/main" xmlns="" val="864639353"/>
       </p:ext>
     </p:extLst>
   </p:cSld>
@@ -5981,7 +6103,7 @@
     </p:spTree>
     <p:extLst>
       <p:ext uri="{BB962C8B-B14F-4D97-AF65-F5344CB8AC3E}">
-        <p14:creationId xmlns="" xmlns:p14="http://schemas.microsoft.com/office/powerpoint/2010/main" val="864639353"/>
+        <p14:creationId xmlns:p14="http://schemas.microsoft.com/office/powerpoint/2010/main" xmlns="" val="864639353"/>
       </p:ext>
     </p:extLst>
   </p:cSld>
@@ -6220,7 +6342,7 @@
     </p:spTree>
     <p:extLst>
       <p:ext uri="{BB962C8B-B14F-4D97-AF65-F5344CB8AC3E}">
-        <p14:creationId xmlns="" xmlns:p14="http://schemas.microsoft.com/office/powerpoint/2010/main" val="864639353"/>
+        <p14:creationId xmlns:p14="http://schemas.microsoft.com/office/powerpoint/2010/main" xmlns="" val="864639353"/>
       </p:ext>
     </p:extLst>
   </p:cSld>
